--- a/SE2020-G02-设计阶段/设计0.3.2.pptx
+++ b/SE2020-G02-设计阶段/设计0.3.2.pptx
@@ -40,37 +40,36 @@
     <p:sldId id="696" r:id="rId33"/>
     <p:sldId id="706" r:id="rId34"/>
     <p:sldId id="697" r:id="rId35"/>
-    <p:sldId id="705" r:id="rId36"/>
-    <p:sldId id="694" r:id="rId37"/>
-    <p:sldId id="693" r:id="rId38"/>
-    <p:sldId id="704" r:id="rId39"/>
-    <p:sldId id="690" r:id="rId40"/>
-    <p:sldId id="708" r:id="rId41"/>
-    <p:sldId id="709" r:id="rId42"/>
-    <p:sldId id="691" r:id="rId43"/>
-    <p:sldId id="707" r:id="rId44"/>
-    <p:sldId id="747" r:id="rId45"/>
-    <p:sldId id="692" r:id="rId46"/>
-    <p:sldId id="609" r:id="rId47"/>
-    <p:sldId id="610" r:id="rId48"/>
-    <p:sldId id="667" r:id="rId49"/>
-    <p:sldId id="668" r:id="rId50"/>
-    <p:sldId id="621" r:id="rId51"/>
-    <p:sldId id="622" r:id="rId52"/>
-    <p:sldId id="623" r:id="rId53"/>
-    <p:sldId id="624" r:id="rId54"/>
-    <p:sldId id="625" r:id="rId55"/>
-    <p:sldId id="665" r:id="rId56"/>
-    <p:sldId id="666" r:id="rId57"/>
-    <p:sldId id="626" r:id="rId58"/>
-    <p:sldId id="631" r:id="rId59"/>
-    <p:sldId id="632" r:id="rId60"/>
-    <p:sldId id="633" r:id="rId61"/>
+    <p:sldId id="694" r:id="rId36"/>
+    <p:sldId id="693" r:id="rId37"/>
+    <p:sldId id="704" r:id="rId38"/>
+    <p:sldId id="690" r:id="rId39"/>
+    <p:sldId id="708" r:id="rId40"/>
+    <p:sldId id="709" r:id="rId41"/>
+    <p:sldId id="691" r:id="rId42"/>
+    <p:sldId id="707" r:id="rId43"/>
+    <p:sldId id="747" r:id="rId44"/>
+    <p:sldId id="692" r:id="rId45"/>
+    <p:sldId id="609" r:id="rId46"/>
+    <p:sldId id="610" r:id="rId47"/>
+    <p:sldId id="667" r:id="rId48"/>
+    <p:sldId id="668" r:id="rId49"/>
+    <p:sldId id="621" r:id="rId50"/>
+    <p:sldId id="622" r:id="rId51"/>
+    <p:sldId id="623" r:id="rId52"/>
+    <p:sldId id="624" r:id="rId53"/>
+    <p:sldId id="625" r:id="rId54"/>
+    <p:sldId id="665" r:id="rId55"/>
+    <p:sldId id="666" r:id="rId56"/>
+    <p:sldId id="626" r:id="rId57"/>
+    <p:sldId id="631" r:id="rId58"/>
+    <p:sldId id="632" r:id="rId59"/>
+    <p:sldId id="633" r:id="rId60"/>
   </p:sldIdLst>
   <p:sldSz cx="9144000" cy="5143500" type="screen16x9"/>
   <p:notesSz cx="6858000" cy="9144000"/>
   <p:custDataLst>
-    <p:tags r:id="rId65"/>
+    <p:tags r:id="rId64"/>
   </p:custDataLst>
   <p:defaultTextStyle>
     <a:defPPr>
@@ -7919,6 +7918,30 @@
           </a:p>
         </p:txBody>
       </p:sp>
+      <p:pic>
+        <p:nvPicPr>
+          <p:cNvPr id="2" name="图片 1"/>
+          <p:cNvPicPr>
+            <a:picLocks noChangeAspect="1"/>
+          </p:cNvPicPr>
+          <p:nvPr/>
+        </p:nvPicPr>
+        <p:blipFill>
+          <a:blip r:embed="rId1"/>
+          <a:stretch>
+            <a:fillRect/>
+          </a:stretch>
+        </p:blipFill>
+        <p:spPr>
+          <a:xfrm>
+            <a:off x="848995" y="524510"/>
+            <a:ext cx="7651115" cy="4618990"/>
+          </a:xfrm>
+          <a:prstGeom prst="rect">
+            <a:avLst/>
+          </a:prstGeom>
+        </p:spPr>
+      </p:pic>
     </p:spTree>
   </p:cSld>
   <p:clrMapOvr>
@@ -8026,6 +8049,30 @@
           </a:p>
         </p:txBody>
       </p:sp>
+      <p:pic>
+        <p:nvPicPr>
+          <p:cNvPr id="2" name="图片 1"/>
+          <p:cNvPicPr>
+            <a:picLocks noChangeAspect="1"/>
+          </p:cNvPicPr>
+          <p:nvPr/>
+        </p:nvPicPr>
+        <p:blipFill>
+          <a:blip r:embed="rId1"/>
+          <a:stretch>
+            <a:fillRect/>
+          </a:stretch>
+        </p:blipFill>
+        <p:spPr>
+          <a:xfrm>
+            <a:off x="763905" y="551180"/>
+            <a:ext cx="7616190" cy="4594860"/>
+          </a:xfrm>
+          <a:prstGeom prst="rect">
+            <a:avLst/>
+          </a:prstGeom>
+        </p:spPr>
+      </p:pic>
     </p:spTree>
   </p:cSld>
   <p:clrMapOvr>
@@ -8133,6 +8180,30 @@
           </a:p>
         </p:txBody>
       </p:sp>
+      <p:pic>
+        <p:nvPicPr>
+          <p:cNvPr id="2" name="图片 1"/>
+          <p:cNvPicPr>
+            <a:picLocks noChangeAspect="1"/>
+          </p:cNvPicPr>
+          <p:nvPr/>
+        </p:nvPicPr>
+        <p:blipFill>
+          <a:blip r:embed="rId1"/>
+          <a:stretch>
+            <a:fillRect/>
+          </a:stretch>
+        </p:blipFill>
+        <p:spPr>
+          <a:xfrm>
+            <a:off x="774700" y="551180"/>
+            <a:ext cx="7595235" cy="4592320"/>
+          </a:xfrm>
+          <a:prstGeom prst="rect">
+            <a:avLst/>
+          </a:prstGeom>
+        </p:spPr>
+      </p:pic>
     </p:spTree>
   </p:cSld>
   <p:clrMapOvr>
@@ -8240,6 +8311,30 @@
           </a:p>
         </p:txBody>
       </p:sp>
+      <p:pic>
+        <p:nvPicPr>
+          <p:cNvPr id="2" name="图片 1"/>
+          <p:cNvPicPr>
+            <a:picLocks noChangeAspect="1"/>
+          </p:cNvPicPr>
+          <p:nvPr/>
+        </p:nvPicPr>
+        <p:blipFill>
+          <a:blip r:embed="rId1"/>
+          <a:stretch>
+            <a:fillRect/>
+          </a:stretch>
+        </p:blipFill>
+        <p:spPr>
+          <a:xfrm>
+            <a:off x="749300" y="548640"/>
+            <a:ext cx="7641590" cy="4623435"/>
+          </a:xfrm>
+          <a:prstGeom prst="rect">
+            <a:avLst/>
+          </a:prstGeom>
+        </p:spPr>
+      </p:pic>
     </p:spTree>
   </p:cSld>
   <p:clrMapOvr>
@@ -11593,152 +11688,6 @@
           <a:chExt cx="0" cy="0"/>
         </a:xfrm>
       </p:grpSpPr>
-      <p:sp>
-        <p:nvSpPr>
-          <p:cNvPr id="28" name="Title 1"/>
-          <p:cNvSpPr txBox="1"/>
-          <p:nvPr/>
-        </p:nvSpPr>
-        <p:spPr>
-          <a:xfrm>
-            <a:off x="748030" y="171450"/>
-            <a:ext cx="6269990" cy="379730"/>
-          </a:xfrm>
-          <a:prstGeom prst="rect">
-            <a:avLst/>
-          </a:prstGeom>
-        </p:spPr>
-        <p:txBody>
-          <a:bodyPr lIns="0" rIns="0" anchor="ctr">
-            <a:noAutofit/>
-          </a:bodyPr>
-          <a:lstStyle>
-            <a:lvl1pPr algn="ctr" defTabSz="914400" rtl="0" eaLnBrk="1" latinLnBrk="0" hangingPunct="1">
-              <a:spcBef>
-                <a:spcPct val="0"/>
-              </a:spcBef>
-              <a:buNone/>
-              <a:defRPr sz="3000" b="0" kern="1200">
-                <a:solidFill>
-                  <a:schemeClr val="accent1"/>
-                </a:solidFill>
-                <a:latin typeface="U.S. 101" pitchFamily="2" charset="0"/>
-                <a:ea typeface="Roboto" pitchFamily="2" charset="0"/>
-                <a:cs typeface="Open Sans Light" panose="020B0306030504020204" pitchFamily="34" charset="0"/>
-              </a:defRPr>
-            </a:lvl1pPr>
-          </a:lstStyle>
-          <a:p>
-            <a:pPr algn="l"/>
-            <a:r>
-              <a:rPr lang="en-US" altLang="zh-CN" sz="1800" dirty="0">
-                <a:solidFill>
-                  <a:schemeClr val="tx1">
-                    <a:lumMod val="65000"/>
-                    <a:lumOff val="35000"/>
-                  </a:schemeClr>
-                </a:solidFill>
-                <a:latin typeface="微软雅黑" panose="020B0503020204020204" pitchFamily="34" charset="-122"/>
-                <a:ea typeface="微软雅黑" panose="020B0503020204020204" pitchFamily="34" charset="-122"/>
-              </a:rPr>
-              <a:t>PAD</a:t>
-            </a:r>
-            <a:r>
-              <a:rPr lang="zh-CN" altLang="en-US" sz="1800" dirty="0">
-                <a:solidFill>
-                  <a:schemeClr val="tx1">
-                    <a:lumMod val="65000"/>
-                    <a:lumOff val="35000"/>
-                  </a:schemeClr>
-                </a:solidFill>
-                <a:latin typeface="微软雅黑" panose="020B0503020204020204" pitchFamily="34" charset="-122"/>
-                <a:ea typeface="微软雅黑" panose="020B0503020204020204" pitchFamily="34" charset="-122"/>
-              </a:rPr>
-              <a:t>图</a:t>
-            </a:r>
-            <a:r>
-              <a:rPr lang="en-US" altLang="zh-CN" sz="1800" dirty="0">
-                <a:solidFill>
-                  <a:schemeClr val="tx1">
-                    <a:lumMod val="65000"/>
-                    <a:lumOff val="35000"/>
-                  </a:schemeClr>
-                </a:solidFill>
-                <a:latin typeface="微软雅黑" panose="020B0503020204020204" pitchFamily="34" charset="-122"/>
-                <a:ea typeface="微软雅黑" panose="020B0503020204020204" pitchFamily="34" charset="-122"/>
-              </a:rPr>
-              <a:t>-</a:t>
-            </a:r>
-            <a:r>
-              <a:rPr lang="zh-CN" altLang="en-US" sz="1800" dirty="0">
-                <a:solidFill>
-                  <a:schemeClr val="tx1">
-                    <a:lumMod val="65000"/>
-                    <a:lumOff val="35000"/>
-                  </a:schemeClr>
-                </a:solidFill>
-                <a:latin typeface="微软雅黑" panose="020B0503020204020204" pitchFamily="34" charset="-122"/>
-                <a:ea typeface="微软雅黑" panose="020B0503020204020204" pitchFamily="34" charset="-122"/>
-              </a:rPr>
-              <a:t>管理</a:t>
-            </a:r>
-            <a:endParaRPr lang="zh-CN" altLang="en-US" sz="1800" dirty="0">
-              <a:solidFill>
-                <a:schemeClr val="tx1">
-                  <a:lumMod val="65000"/>
-                  <a:lumOff val="35000"/>
-                </a:schemeClr>
-              </a:solidFill>
-              <a:latin typeface="微软雅黑" panose="020B0503020204020204" pitchFamily="34" charset="-122"/>
-              <a:ea typeface="微软雅黑" panose="020B0503020204020204" pitchFamily="34" charset="-122"/>
-            </a:endParaRPr>
-          </a:p>
-        </p:txBody>
-      </p:sp>
-    </p:spTree>
-  </p:cSld>
-  <p:clrMapOvr>
-    <a:masterClrMapping/>
-  </p:clrMapOvr>
-  <mc:AlternateContent xmlns:mc="http://schemas.openxmlformats.org/markup-compatibility/2006">
-    <mc:Choice xmlns:p14="http://schemas.microsoft.com/office/powerpoint/2010/main" Requires="p14">
-      <p:transition p14:dur="500">
-        <p:comb/>
-      </p:transition>
-    </mc:Choice>
-    <mc:Fallback>
-      <p:transition>
-        <p:comb/>
-      </p:transition>
-    </mc:Fallback>
-  </mc:AlternateContent>
-  <p:timing>
-    <p:tnLst>
-      <p:par>
-        <p:cTn id="1" dur="indefinite" restart="never" nodeType="tmRoot"/>
-      </p:par>
-    </p:tnLst>
-  </p:timing>
-</p:sld>
-</file>
-
-<file path=ppt/slides/slide34.xml><?xml version="1.0" encoding="utf-8"?>
-<p:sld xmlns:a="http://schemas.openxmlformats.org/drawingml/2006/main" xmlns:r="http://schemas.openxmlformats.org/officeDocument/2006/relationships" xmlns:p="http://schemas.openxmlformats.org/presentationml/2006/main">
-  <p:cSld>
-    <p:spTree>
-      <p:nvGrpSpPr>
-        <p:cNvPr id="1" name=""/>
-        <p:cNvGrpSpPr/>
-        <p:nvPr/>
-      </p:nvGrpSpPr>
-      <p:grpSpPr>
-        <a:xfrm>
-          <a:off x="0" y="0"/>
-          <a:ext cx="0" cy="0"/>
-          <a:chOff x="0" y="0"/>
-          <a:chExt cx="0" cy="0"/>
-        </a:xfrm>
-      </p:grpSpPr>
       <p:pic>
         <p:nvPicPr>
           <p:cNvPr id="2" name="图片 1"/>
@@ -11853,7 +11802,7 @@
 </p:sld>
 </file>
 
-<file path=ppt/slides/slide35.xml><?xml version="1.0" encoding="utf-8"?>
+<file path=ppt/slides/slide34.xml><?xml version="1.0" encoding="utf-8"?>
 <p:sld xmlns:a="http://schemas.openxmlformats.org/drawingml/2006/main" xmlns:r="http://schemas.openxmlformats.org/officeDocument/2006/relationships" xmlns:p="http://schemas.openxmlformats.org/presentationml/2006/main">
   <p:cSld>
     <p:spTree>
@@ -11945,7 +11894,7 @@
 </p:sld>
 </file>
 
-<file path=ppt/slides/slide36.xml><?xml version="1.0" encoding="utf-8"?>
+<file path=ppt/slides/slide35.xml><?xml version="1.0" encoding="utf-8"?>
 <p:sld xmlns:a="http://schemas.openxmlformats.org/drawingml/2006/main" xmlns:r="http://schemas.openxmlformats.org/officeDocument/2006/relationships" xmlns:p="http://schemas.openxmlformats.org/presentationml/2006/main">
   <p:cSld>
     <p:spTree>
@@ -12038,7 +11987,7 @@
 </p:sld>
 </file>
 
-<file path=ppt/slides/slide37.xml><?xml version="1.0" encoding="utf-8"?>
+<file path=ppt/slides/slide36.xml><?xml version="1.0" encoding="utf-8"?>
 <p:sld xmlns:a="http://schemas.openxmlformats.org/drawingml/2006/main" xmlns:r="http://schemas.openxmlformats.org/officeDocument/2006/relationships" xmlns:p="http://schemas.openxmlformats.org/presentationml/2006/main">
   <p:cSld>
     <p:spTree>
@@ -13237,7 +13186,7 @@
 </p:sld>
 </file>
 
-<file path=ppt/slides/slide38.xml><?xml version="1.0" encoding="utf-8"?>
+<file path=ppt/slides/slide37.xml><?xml version="1.0" encoding="utf-8"?>
 <p:sld xmlns:a="http://schemas.openxmlformats.org/drawingml/2006/main" xmlns:r="http://schemas.openxmlformats.org/officeDocument/2006/relationships" xmlns:p="http://schemas.openxmlformats.org/presentationml/2006/main">
   <p:cSld>
     <p:spTree>
@@ -13869,6 +13818,163 @@
 </p:sld>
 </file>
 
+<file path=ppt/slides/slide38.xml><?xml version="1.0" encoding="utf-8"?>
+<p:sld xmlns:a="http://schemas.openxmlformats.org/drawingml/2006/main" xmlns:r="http://schemas.openxmlformats.org/officeDocument/2006/relationships" xmlns:p="http://schemas.openxmlformats.org/presentationml/2006/main">
+  <p:cSld>
+    <p:spTree>
+      <p:nvGrpSpPr>
+        <p:cNvPr id="1" name=""/>
+        <p:cNvGrpSpPr/>
+        <p:nvPr/>
+      </p:nvGrpSpPr>
+      <p:grpSpPr>
+        <a:xfrm>
+          <a:off x="0" y="0"/>
+          <a:ext cx="0" cy="0"/>
+          <a:chOff x="0" y="0"/>
+          <a:chExt cx="0" cy="0"/>
+        </a:xfrm>
+      </p:grpSpPr>
+      <p:sp>
+        <p:nvSpPr>
+          <p:cNvPr id="28" name="Title 1"/>
+          <p:cNvSpPr txBox="1"/>
+          <p:nvPr/>
+        </p:nvSpPr>
+        <p:spPr>
+          <a:xfrm>
+            <a:off x="748030" y="171450"/>
+            <a:ext cx="6269990" cy="379730"/>
+          </a:xfrm>
+          <a:prstGeom prst="rect">
+            <a:avLst/>
+          </a:prstGeom>
+        </p:spPr>
+        <p:txBody>
+          <a:bodyPr lIns="0" rIns="0" anchor="ctr">
+            <a:noAutofit/>
+          </a:bodyPr>
+          <a:lstStyle>
+            <a:lvl1pPr algn="ctr" defTabSz="914400" rtl="0" eaLnBrk="1" latinLnBrk="0" hangingPunct="1">
+              <a:spcBef>
+                <a:spcPct val="0"/>
+              </a:spcBef>
+              <a:buNone/>
+              <a:defRPr sz="3000" b="0" kern="1200">
+                <a:solidFill>
+                  <a:schemeClr val="accent1"/>
+                </a:solidFill>
+                <a:latin typeface="U.S. 101" pitchFamily="2" charset="0"/>
+                <a:ea typeface="Roboto" pitchFamily="2" charset="0"/>
+                <a:cs typeface="Open Sans Light" panose="020B0306030504020204" pitchFamily="34" charset="0"/>
+              </a:defRPr>
+            </a:lvl1pPr>
+          </a:lstStyle>
+          <a:p>
+            <a:pPr algn="l"/>
+            <a:r>
+              <a:rPr lang="zh-CN" altLang="en-US" sz="1800" dirty="0">
+                <a:solidFill>
+                  <a:schemeClr val="tx1">
+                    <a:lumMod val="65000"/>
+                    <a:lumOff val="35000"/>
+                  </a:schemeClr>
+                </a:solidFill>
+                <a:latin typeface="微软雅黑" panose="020B0503020204020204" pitchFamily="34" charset="-122"/>
+                <a:ea typeface="微软雅黑" panose="020B0503020204020204" pitchFamily="34" charset="-122"/>
+              </a:rPr>
+              <a:t>关键算法</a:t>
+            </a:r>
+            <a:r>
+              <a:rPr lang="en-US" altLang="zh-CN" sz="1800" dirty="0">
+                <a:solidFill>
+                  <a:schemeClr val="tx1">
+                    <a:lumMod val="65000"/>
+                    <a:lumOff val="35000"/>
+                  </a:schemeClr>
+                </a:solidFill>
+                <a:latin typeface="微软雅黑" panose="020B0503020204020204" pitchFamily="34" charset="-122"/>
+                <a:ea typeface="微软雅黑" panose="020B0503020204020204" pitchFamily="34" charset="-122"/>
+              </a:rPr>
+              <a:t>-R x </a:t>
+            </a:r>
+            <a:r>
+              <a:rPr lang="zh-CN" altLang="en-US" sz="1800" dirty="0">
+                <a:solidFill>
+                  <a:schemeClr val="tx1">
+                    <a:lumMod val="65000"/>
+                    <a:lumOff val="35000"/>
+                  </a:schemeClr>
+                </a:solidFill>
+                <a:latin typeface="微软雅黑" panose="020B0503020204020204" pitchFamily="34" charset="-122"/>
+                <a:ea typeface="微软雅黑" panose="020B0503020204020204" pitchFamily="34" charset="-122"/>
+              </a:rPr>
+              <a:t>基准设置</a:t>
+            </a:r>
+            <a:endParaRPr lang="zh-CN" altLang="en-US" sz="1800" dirty="0">
+              <a:solidFill>
+                <a:schemeClr val="tx1">
+                  <a:lumMod val="65000"/>
+                  <a:lumOff val="35000"/>
+                </a:schemeClr>
+              </a:solidFill>
+              <a:latin typeface="微软雅黑" panose="020B0503020204020204" pitchFamily="34" charset="-122"/>
+              <a:ea typeface="微软雅黑" panose="020B0503020204020204" pitchFamily="34" charset="-122"/>
+            </a:endParaRPr>
+          </a:p>
+        </p:txBody>
+      </p:sp>
+      <p:pic>
+        <p:nvPicPr>
+          <p:cNvPr id="6" name="图片 1"/>
+          <p:cNvPicPr>
+            <a:picLocks noChangeAspect="1"/>
+          </p:cNvPicPr>
+          <p:nvPr/>
+        </p:nvPicPr>
+        <p:blipFill>
+          <a:blip r:embed="rId1"/>
+          <a:stretch>
+            <a:fillRect/>
+          </a:stretch>
+        </p:blipFill>
+        <p:spPr>
+          <a:xfrm>
+            <a:off x="2034540" y="654685"/>
+            <a:ext cx="5074920" cy="4259580"/>
+          </a:xfrm>
+          <a:prstGeom prst="rect">
+            <a:avLst/>
+          </a:prstGeom>
+        </p:spPr>
+      </p:pic>
+    </p:spTree>
+  </p:cSld>
+  <p:clrMapOvr>
+    <a:masterClrMapping/>
+  </p:clrMapOvr>
+  <mc:AlternateContent xmlns:mc="http://schemas.openxmlformats.org/markup-compatibility/2006">
+    <mc:Choice xmlns:p14="http://schemas.microsoft.com/office/powerpoint/2010/main" Requires="p14">
+      <p:transition p14:dur="500">
+        <p:comb/>
+      </p:transition>
+    </mc:Choice>
+    <mc:Fallback>
+      <p:transition>
+        <p:comb/>
+      </p:transition>
+    </mc:Fallback>
+  </mc:AlternateContent>
+  <p:timing>
+    <p:tnLst>
+      <p:par>
+        <p:cTn id="1" dur="indefinite" restart="never" nodeType="tmRoot"/>
+      </p:par>
+    </p:tnLst>
+  </p:timing>
+</p:sld>
+</file>
+
 <file path=ppt/slides/slide39.xml><?xml version="1.0" encoding="utf-8"?>
 <p:sld xmlns:a="http://schemas.openxmlformats.org/drawingml/2006/main" xmlns:r="http://schemas.openxmlformats.org/officeDocument/2006/relationships" xmlns:p="http://schemas.openxmlformats.org/presentationml/2006/main">
   <p:cSld>
@@ -13934,33 +14040,7 @@
                 <a:latin typeface="微软雅黑" panose="020B0503020204020204" pitchFamily="34" charset="-122"/>
                 <a:ea typeface="微软雅黑" panose="020B0503020204020204" pitchFamily="34" charset="-122"/>
               </a:rPr>
-              <a:t>关键算法</a:t>
-            </a:r>
-            <a:r>
-              <a:rPr lang="en-US" altLang="zh-CN" sz="1800" dirty="0">
-                <a:solidFill>
-                  <a:schemeClr val="tx1">
-                    <a:lumMod val="65000"/>
-                    <a:lumOff val="35000"/>
-                  </a:schemeClr>
-                </a:solidFill>
-                <a:latin typeface="微软雅黑" panose="020B0503020204020204" pitchFamily="34" charset="-122"/>
-                <a:ea typeface="微软雅黑" panose="020B0503020204020204" pitchFamily="34" charset="-122"/>
-              </a:rPr>
-              <a:t>-R x </a:t>
-            </a:r>
-            <a:r>
-              <a:rPr lang="zh-CN" altLang="en-US" sz="1800" dirty="0">
-                <a:solidFill>
-                  <a:schemeClr val="tx1">
-                    <a:lumMod val="65000"/>
-                    <a:lumOff val="35000"/>
-                  </a:schemeClr>
-                </a:solidFill>
-                <a:latin typeface="微软雅黑" panose="020B0503020204020204" pitchFamily="34" charset="-122"/>
-                <a:ea typeface="微软雅黑" panose="020B0503020204020204" pitchFamily="34" charset="-122"/>
-              </a:rPr>
-              <a:t>基准设置</a:t>
+              <a:t>界面原型</a:t>
             </a:r>
             <a:endParaRPr lang="zh-CN" altLang="en-US" sz="1800" dirty="0">
               <a:solidFill>
@@ -13977,7 +14057,7 @@
       </p:sp>
       <p:pic>
         <p:nvPicPr>
-          <p:cNvPr id="6" name="图片 1"/>
+          <p:cNvPr id="2" name="图片 1"/>
           <p:cNvPicPr>
             <a:picLocks noChangeAspect="1"/>
           </p:cNvPicPr>
@@ -13985,14 +14065,15 @@
         </p:nvPicPr>
         <p:blipFill>
           <a:blip r:embed="rId1"/>
+          <a:srcRect b="961"/>
           <a:stretch>
             <a:fillRect/>
           </a:stretch>
         </p:blipFill>
         <p:spPr>
           <a:xfrm>
-            <a:off x="2034540" y="654685"/>
-            <a:ext cx="5074920" cy="4259580"/>
+            <a:off x="0" y="670560"/>
+            <a:ext cx="9147810" cy="4318000"/>
           </a:xfrm>
           <a:prstGeom prst="rect">
             <a:avLst/>
@@ -14376,7 +14457,7 @@
                 <a:latin typeface="微软雅黑" panose="020B0503020204020204" pitchFamily="34" charset="-122"/>
                 <a:ea typeface="微软雅黑" panose="020B0503020204020204" pitchFamily="34" charset="-122"/>
               </a:rPr>
-              <a:t>界面原型</a:t>
+              <a:t>伪代码</a:t>
             </a:r>
             <a:endParaRPr lang="zh-CN" altLang="en-US" sz="1800" dirty="0">
               <a:solidFill>
@@ -14393,7 +14474,7 @@
       </p:sp>
       <p:pic>
         <p:nvPicPr>
-          <p:cNvPr id="2" name="图片 1"/>
+          <p:cNvPr id="5" name="图片 4"/>
           <p:cNvPicPr>
             <a:picLocks noChangeAspect="1"/>
           </p:cNvPicPr>
@@ -14401,15 +14482,14 @@
         </p:nvPicPr>
         <p:blipFill>
           <a:blip r:embed="rId1"/>
-          <a:srcRect b="961"/>
           <a:stretch>
             <a:fillRect/>
           </a:stretch>
         </p:blipFill>
         <p:spPr>
           <a:xfrm>
-            <a:off x="0" y="670560"/>
-            <a:ext cx="9147810" cy="4318000"/>
+            <a:off x="0" y="720725"/>
+            <a:ext cx="9142730" cy="4207510"/>
           </a:xfrm>
           <a:prstGeom prst="rect">
             <a:avLst/>
@@ -14525,7 +14605,7 @@
       </p:sp>
       <p:pic>
         <p:nvPicPr>
-          <p:cNvPr id="5" name="图片 4"/>
+          <p:cNvPr id="2" name="图片 1"/>
           <p:cNvPicPr>
             <a:picLocks noChangeAspect="1"/>
           </p:cNvPicPr>
@@ -14539,8 +14619,8 @@
         </p:blipFill>
         <p:spPr>
           <a:xfrm>
-            <a:off x="0" y="720725"/>
-            <a:ext cx="9142730" cy="4207510"/>
+            <a:off x="0" y="720090"/>
+            <a:ext cx="9144635" cy="4208145"/>
           </a:xfrm>
           <a:prstGeom prst="rect">
             <a:avLst/>
@@ -14639,7 +14719,7 @@
                 <a:latin typeface="微软雅黑" panose="020B0503020204020204" pitchFamily="34" charset="-122"/>
                 <a:ea typeface="微软雅黑" panose="020B0503020204020204" pitchFamily="34" charset="-122"/>
               </a:rPr>
-              <a:t>伪代码</a:t>
+              <a:t>设计文档</a:t>
             </a:r>
             <a:endParaRPr lang="zh-CN" altLang="en-US" sz="1800" dirty="0">
               <a:solidFill>
@@ -14670,8 +14750,8 @@
         </p:blipFill>
         <p:spPr>
           <a:xfrm>
-            <a:off x="0" y="720090"/>
-            <a:ext cx="9144635" cy="4208145"/>
+            <a:off x="774700" y="551815"/>
+            <a:ext cx="7594600" cy="4591685"/>
           </a:xfrm>
           <a:prstGeom prst="rect">
             <a:avLst/>
@@ -14706,113 +14786,6 @@
 </file>
 
 <file path=ppt/slides/slide43.xml><?xml version="1.0" encoding="utf-8"?>
-<p:sld xmlns:a="http://schemas.openxmlformats.org/drawingml/2006/main" xmlns:r="http://schemas.openxmlformats.org/officeDocument/2006/relationships" xmlns:p="http://schemas.openxmlformats.org/presentationml/2006/main">
-  <p:cSld>
-    <p:spTree>
-      <p:nvGrpSpPr>
-        <p:cNvPr id="1" name=""/>
-        <p:cNvGrpSpPr/>
-        <p:nvPr/>
-      </p:nvGrpSpPr>
-      <p:grpSpPr>
-        <a:xfrm>
-          <a:off x="0" y="0"/>
-          <a:ext cx="0" cy="0"/>
-          <a:chOff x="0" y="0"/>
-          <a:chExt cx="0" cy="0"/>
-        </a:xfrm>
-      </p:grpSpPr>
-      <p:sp>
-        <p:nvSpPr>
-          <p:cNvPr id="28" name="Title 1"/>
-          <p:cNvSpPr txBox="1"/>
-          <p:nvPr/>
-        </p:nvSpPr>
-        <p:spPr>
-          <a:xfrm>
-            <a:off x="748030" y="171450"/>
-            <a:ext cx="6269990" cy="379730"/>
-          </a:xfrm>
-          <a:prstGeom prst="rect">
-            <a:avLst/>
-          </a:prstGeom>
-        </p:spPr>
-        <p:txBody>
-          <a:bodyPr lIns="0" rIns="0" anchor="ctr">
-            <a:noAutofit/>
-          </a:bodyPr>
-          <a:lstStyle>
-            <a:lvl1pPr algn="ctr" defTabSz="914400" rtl="0" eaLnBrk="1" latinLnBrk="0" hangingPunct="1">
-              <a:spcBef>
-                <a:spcPct val="0"/>
-              </a:spcBef>
-              <a:buNone/>
-              <a:defRPr sz="3000" b="0" kern="1200">
-                <a:solidFill>
-                  <a:schemeClr val="accent1"/>
-                </a:solidFill>
-                <a:latin typeface="U.S. 101" pitchFamily="2" charset="0"/>
-                <a:ea typeface="Roboto" pitchFamily="2" charset="0"/>
-                <a:cs typeface="Open Sans Light" panose="020B0306030504020204" pitchFamily="34" charset="0"/>
-              </a:defRPr>
-            </a:lvl1pPr>
-          </a:lstStyle>
-          <a:p>
-            <a:pPr algn="l"/>
-            <a:r>
-              <a:rPr lang="zh-CN" altLang="en-US" sz="1800" dirty="0">
-                <a:solidFill>
-                  <a:schemeClr val="tx1">
-                    <a:lumMod val="65000"/>
-                    <a:lumOff val="35000"/>
-                  </a:schemeClr>
-                </a:solidFill>
-                <a:latin typeface="微软雅黑" panose="020B0503020204020204" pitchFamily="34" charset="-122"/>
-                <a:ea typeface="微软雅黑" panose="020B0503020204020204" pitchFamily="34" charset="-122"/>
-              </a:rPr>
-              <a:t>设计文档</a:t>
-            </a:r>
-            <a:endParaRPr lang="zh-CN" altLang="en-US" sz="1800" dirty="0">
-              <a:solidFill>
-                <a:schemeClr val="tx1">
-                  <a:lumMod val="65000"/>
-                  <a:lumOff val="35000"/>
-                </a:schemeClr>
-              </a:solidFill>
-              <a:latin typeface="微软雅黑" panose="020B0503020204020204" pitchFamily="34" charset="-122"/>
-              <a:ea typeface="微软雅黑" panose="020B0503020204020204" pitchFamily="34" charset="-122"/>
-            </a:endParaRPr>
-          </a:p>
-        </p:txBody>
-      </p:sp>
-    </p:spTree>
-  </p:cSld>
-  <p:clrMapOvr>
-    <a:masterClrMapping/>
-  </p:clrMapOvr>
-  <mc:AlternateContent xmlns:mc="http://schemas.openxmlformats.org/markup-compatibility/2006">
-    <mc:Choice xmlns:p14="http://schemas.microsoft.com/office/powerpoint/2010/main" Requires="p14">
-      <p:transition p14:dur="500">
-        <p:comb/>
-      </p:transition>
-    </mc:Choice>
-    <mc:Fallback>
-      <p:transition>
-        <p:comb/>
-      </p:transition>
-    </mc:Fallback>
-  </mc:AlternateContent>
-  <p:timing>
-    <p:tnLst>
-      <p:par>
-        <p:cTn id="1" dur="indefinite" restart="never" nodeType="tmRoot"/>
-      </p:par>
-    </p:tnLst>
-  </p:timing>
-</p:sld>
-</file>
-
-<file path=ppt/slides/slide44.xml><?xml version="1.0" encoding="utf-8"?>
 <p:sld xmlns:a="http://schemas.openxmlformats.org/drawingml/2006/main" xmlns:r="http://schemas.openxmlformats.org/officeDocument/2006/relationships" xmlns:p="http://schemas.openxmlformats.org/presentationml/2006/main">
   <p:cSld>
     <p:spTree>
@@ -15450,6 +15423,137 @@
 </p:sld>
 </file>
 
+<file path=ppt/slides/slide44.xml><?xml version="1.0" encoding="utf-8"?>
+<p:sld xmlns:a="http://schemas.openxmlformats.org/drawingml/2006/main" xmlns:r="http://schemas.openxmlformats.org/officeDocument/2006/relationships" xmlns:p="http://schemas.openxmlformats.org/presentationml/2006/main">
+  <p:cSld>
+    <p:spTree>
+      <p:nvGrpSpPr>
+        <p:cNvPr id="1" name=""/>
+        <p:cNvGrpSpPr/>
+        <p:nvPr/>
+      </p:nvGrpSpPr>
+      <p:grpSpPr>
+        <a:xfrm>
+          <a:off x="0" y="0"/>
+          <a:ext cx="0" cy="0"/>
+          <a:chOff x="0" y="0"/>
+          <a:chExt cx="0" cy="0"/>
+        </a:xfrm>
+      </p:grpSpPr>
+      <p:sp>
+        <p:nvSpPr>
+          <p:cNvPr id="28" name="Title 1"/>
+          <p:cNvSpPr txBox="1"/>
+          <p:nvPr/>
+        </p:nvSpPr>
+        <p:spPr>
+          <a:xfrm>
+            <a:off x="748030" y="171450"/>
+            <a:ext cx="6269990" cy="379730"/>
+          </a:xfrm>
+          <a:prstGeom prst="rect">
+            <a:avLst/>
+          </a:prstGeom>
+        </p:spPr>
+        <p:txBody>
+          <a:bodyPr lIns="0" rIns="0" anchor="ctr">
+            <a:noAutofit/>
+          </a:bodyPr>
+          <a:lstStyle>
+            <a:lvl1pPr algn="ctr" defTabSz="914400" rtl="0" eaLnBrk="1" latinLnBrk="0" hangingPunct="1">
+              <a:spcBef>
+                <a:spcPct val="0"/>
+              </a:spcBef>
+              <a:buNone/>
+              <a:defRPr sz="3000" b="0" kern="1200">
+                <a:solidFill>
+                  <a:schemeClr val="accent1"/>
+                </a:solidFill>
+                <a:latin typeface="U.S. 101" pitchFamily="2" charset="0"/>
+                <a:ea typeface="Roboto" pitchFamily="2" charset="0"/>
+                <a:cs typeface="Open Sans Light" panose="020B0306030504020204" pitchFamily="34" charset="0"/>
+              </a:defRPr>
+            </a:lvl1pPr>
+          </a:lstStyle>
+          <a:p>
+            <a:pPr algn="l"/>
+            <a:r>
+              <a:rPr lang="zh-CN" altLang="en-US" sz="1800" dirty="0">
+                <a:solidFill>
+                  <a:schemeClr val="tx1">
+                    <a:lumMod val="65000"/>
+                    <a:lumOff val="35000"/>
+                  </a:schemeClr>
+                </a:solidFill>
+                <a:latin typeface="微软雅黑" panose="020B0503020204020204" pitchFamily="34" charset="-122"/>
+                <a:ea typeface="微软雅黑" panose="020B0503020204020204" pitchFamily="34" charset="-122"/>
+              </a:rPr>
+              <a:t>配置管理</a:t>
+            </a:r>
+            <a:endParaRPr lang="zh-CN" altLang="en-US" sz="1800" dirty="0">
+              <a:solidFill>
+                <a:schemeClr val="tx1">
+                  <a:lumMod val="65000"/>
+                  <a:lumOff val="35000"/>
+                </a:schemeClr>
+              </a:solidFill>
+              <a:latin typeface="微软雅黑" panose="020B0503020204020204" pitchFamily="34" charset="-122"/>
+              <a:ea typeface="微软雅黑" panose="020B0503020204020204" pitchFamily="34" charset="-122"/>
+            </a:endParaRPr>
+          </a:p>
+        </p:txBody>
+      </p:sp>
+      <p:pic>
+        <p:nvPicPr>
+          <p:cNvPr id="6" name="图片 5"/>
+          <p:cNvPicPr>
+            <a:picLocks noChangeAspect="1"/>
+          </p:cNvPicPr>
+          <p:nvPr/>
+        </p:nvPicPr>
+        <p:blipFill>
+          <a:blip r:embed="rId1"/>
+          <a:stretch>
+            <a:fillRect/>
+          </a:stretch>
+        </p:blipFill>
+        <p:spPr>
+          <a:xfrm>
+            <a:off x="0" y="785495"/>
+            <a:ext cx="9144635" cy="4358005"/>
+          </a:xfrm>
+          <a:prstGeom prst="rect">
+            <a:avLst/>
+          </a:prstGeom>
+        </p:spPr>
+      </p:pic>
+    </p:spTree>
+  </p:cSld>
+  <p:clrMapOvr>
+    <a:masterClrMapping/>
+  </p:clrMapOvr>
+  <mc:AlternateContent xmlns:mc="http://schemas.openxmlformats.org/markup-compatibility/2006">
+    <mc:Choice xmlns:p14="http://schemas.microsoft.com/office/powerpoint/2010/main" Requires="p14">
+      <p:transition p14:dur="500">
+        <p:comb/>
+      </p:transition>
+    </mc:Choice>
+    <mc:Fallback>
+      <p:transition>
+        <p:comb/>
+      </p:transition>
+    </mc:Fallback>
+  </mc:AlternateContent>
+  <p:timing>
+    <p:tnLst>
+      <p:par>
+        <p:cTn id="1" dur="indefinite" restart="never" nodeType="tmRoot"/>
+      </p:par>
+    </p:tnLst>
+  </p:timing>
+</p:sld>
+</file>
+
 <file path=ppt/slides/slide45.xml><?xml version="1.0" encoding="utf-8"?>
 <p:sld xmlns:a="http://schemas.openxmlformats.org/drawingml/2006/main" xmlns:r="http://schemas.openxmlformats.org/officeDocument/2006/relationships" xmlns:p="http://schemas.openxmlformats.org/presentationml/2006/main">
   <p:cSld>
@@ -15515,7 +15619,20 @@
                 <a:latin typeface="微软雅黑" panose="020B0503020204020204" pitchFamily="34" charset="-122"/>
                 <a:ea typeface="微软雅黑" panose="020B0503020204020204" pitchFamily="34" charset="-122"/>
               </a:rPr>
-              <a:t>配置管理</a:t>
+              <a:t>文件</a:t>
+            </a:r>
+            <a:r>
+              <a:rPr lang="zh-CN" altLang="en-US" sz="1800" dirty="0">
+                <a:solidFill>
+                  <a:schemeClr val="tx1">
+                    <a:lumMod val="65000"/>
+                    <a:lumOff val="35000"/>
+                  </a:schemeClr>
+                </a:solidFill>
+                <a:latin typeface="微软雅黑" panose="020B0503020204020204" pitchFamily="34" charset="-122"/>
+                <a:ea typeface="微软雅黑" panose="020B0503020204020204" pitchFamily="34" charset="-122"/>
+              </a:rPr>
+              <a:t>更新</a:t>
             </a:r>
             <a:endParaRPr lang="zh-CN" altLang="en-US" sz="1800" dirty="0">
               <a:solidFill>
@@ -15532,7 +15649,7 @@
       </p:sp>
       <p:pic>
         <p:nvPicPr>
-          <p:cNvPr id="6" name="图片 5"/>
+          <p:cNvPr id="3" name="图片 2"/>
           <p:cNvPicPr>
             <a:picLocks noChangeAspect="1"/>
           </p:cNvPicPr>
@@ -15547,7 +15664,7 @@
         <p:spPr>
           <a:xfrm>
             <a:off x="0" y="785495"/>
-            <a:ext cx="9144635" cy="4358005"/>
+            <a:ext cx="9144000" cy="4358005"/>
           </a:xfrm>
           <a:prstGeom prst="rect">
             <a:avLst/>
@@ -15646,20 +15763,7 @@
                 <a:latin typeface="微软雅黑" panose="020B0503020204020204" pitchFamily="34" charset="-122"/>
                 <a:ea typeface="微软雅黑" panose="020B0503020204020204" pitchFamily="34" charset="-122"/>
               </a:rPr>
-              <a:t>文件</a:t>
-            </a:r>
-            <a:r>
-              <a:rPr lang="zh-CN" altLang="en-US" sz="1800" dirty="0">
-                <a:solidFill>
-                  <a:schemeClr val="tx1">
-                    <a:lumMod val="65000"/>
-                    <a:lumOff val="35000"/>
-                  </a:schemeClr>
-                </a:solidFill>
-                <a:latin typeface="微软雅黑" panose="020B0503020204020204" pitchFamily="34" charset="-122"/>
-                <a:ea typeface="微软雅黑" panose="020B0503020204020204" pitchFamily="34" charset="-122"/>
-              </a:rPr>
-              <a:t>更新</a:t>
+              <a:t>文件更新</a:t>
             </a:r>
             <a:endParaRPr lang="zh-CN" altLang="en-US" sz="1800" dirty="0">
               <a:solidFill>
@@ -15676,7 +15780,7 @@
       </p:sp>
       <p:pic>
         <p:nvPicPr>
-          <p:cNvPr id="3" name="图片 2"/>
+          <p:cNvPr id="4" name="图片 3"/>
           <p:cNvPicPr>
             <a:picLocks noChangeAspect="1"/>
           </p:cNvPicPr>
@@ -15690,8 +15794,8 @@
         </p:blipFill>
         <p:spPr>
           <a:xfrm>
-            <a:off x="0" y="785495"/>
-            <a:ext cx="9144000" cy="4358005"/>
+            <a:off x="0" y="786130"/>
+            <a:ext cx="9142730" cy="4357370"/>
           </a:xfrm>
           <a:prstGeom prst="rect">
             <a:avLst/>
@@ -15790,137 +15894,6 @@
                 <a:latin typeface="微软雅黑" panose="020B0503020204020204" pitchFamily="34" charset="-122"/>
                 <a:ea typeface="微软雅黑" panose="020B0503020204020204" pitchFamily="34" charset="-122"/>
               </a:rPr>
-              <a:t>文件更新</a:t>
-            </a:r>
-            <a:endParaRPr lang="zh-CN" altLang="en-US" sz="1800" dirty="0">
-              <a:solidFill>
-                <a:schemeClr val="tx1">
-                  <a:lumMod val="65000"/>
-                  <a:lumOff val="35000"/>
-                </a:schemeClr>
-              </a:solidFill>
-              <a:latin typeface="微软雅黑" panose="020B0503020204020204" pitchFamily="34" charset="-122"/>
-              <a:ea typeface="微软雅黑" panose="020B0503020204020204" pitchFamily="34" charset="-122"/>
-            </a:endParaRPr>
-          </a:p>
-        </p:txBody>
-      </p:sp>
-      <p:pic>
-        <p:nvPicPr>
-          <p:cNvPr id="4" name="图片 3"/>
-          <p:cNvPicPr>
-            <a:picLocks noChangeAspect="1"/>
-          </p:cNvPicPr>
-          <p:nvPr/>
-        </p:nvPicPr>
-        <p:blipFill>
-          <a:blip r:embed="rId1"/>
-          <a:stretch>
-            <a:fillRect/>
-          </a:stretch>
-        </p:blipFill>
-        <p:spPr>
-          <a:xfrm>
-            <a:off x="0" y="786130"/>
-            <a:ext cx="9142730" cy="4357370"/>
-          </a:xfrm>
-          <a:prstGeom prst="rect">
-            <a:avLst/>
-          </a:prstGeom>
-        </p:spPr>
-      </p:pic>
-    </p:spTree>
-  </p:cSld>
-  <p:clrMapOvr>
-    <a:masterClrMapping/>
-  </p:clrMapOvr>
-  <mc:AlternateContent xmlns:mc="http://schemas.openxmlformats.org/markup-compatibility/2006">
-    <mc:Choice xmlns:p14="http://schemas.microsoft.com/office/powerpoint/2010/main" Requires="p14">
-      <p:transition p14:dur="500">
-        <p:comb/>
-      </p:transition>
-    </mc:Choice>
-    <mc:Fallback>
-      <p:transition>
-        <p:comb/>
-      </p:transition>
-    </mc:Fallback>
-  </mc:AlternateContent>
-  <p:timing>
-    <p:tnLst>
-      <p:par>
-        <p:cTn id="1" dur="indefinite" restart="never" nodeType="tmRoot"/>
-      </p:par>
-    </p:tnLst>
-  </p:timing>
-</p:sld>
-</file>
-
-<file path=ppt/slides/slide48.xml><?xml version="1.0" encoding="utf-8"?>
-<p:sld xmlns:a="http://schemas.openxmlformats.org/drawingml/2006/main" xmlns:r="http://schemas.openxmlformats.org/officeDocument/2006/relationships" xmlns:p="http://schemas.openxmlformats.org/presentationml/2006/main">
-  <p:cSld>
-    <p:spTree>
-      <p:nvGrpSpPr>
-        <p:cNvPr id="1" name=""/>
-        <p:cNvGrpSpPr/>
-        <p:nvPr/>
-      </p:nvGrpSpPr>
-      <p:grpSpPr>
-        <a:xfrm>
-          <a:off x="0" y="0"/>
-          <a:ext cx="0" cy="0"/>
-          <a:chOff x="0" y="0"/>
-          <a:chExt cx="0" cy="0"/>
-        </a:xfrm>
-      </p:grpSpPr>
-      <p:sp>
-        <p:nvSpPr>
-          <p:cNvPr id="28" name="Title 1"/>
-          <p:cNvSpPr txBox="1"/>
-          <p:nvPr/>
-        </p:nvSpPr>
-        <p:spPr>
-          <a:xfrm>
-            <a:off x="748030" y="171450"/>
-            <a:ext cx="6269990" cy="379730"/>
-          </a:xfrm>
-          <a:prstGeom prst="rect">
-            <a:avLst/>
-          </a:prstGeom>
-        </p:spPr>
-        <p:txBody>
-          <a:bodyPr lIns="0" rIns="0" anchor="ctr">
-            <a:noAutofit/>
-          </a:bodyPr>
-          <a:lstStyle>
-            <a:lvl1pPr algn="ctr" defTabSz="914400" rtl="0" eaLnBrk="1" latinLnBrk="0" hangingPunct="1">
-              <a:spcBef>
-                <a:spcPct val="0"/>
-              </a:spcBef>
-              <a:buNone/>
-              <a:defRPr sz="3000" b="0" kern="1200">
-                <a:solidFill>
-                  <a:schemeClr val="accent1"/>
-                </a:solidFill>
-                <a:latin typeface="U.S. 101" pitchFamily="2" charset="0"/>
-                <a:ea typeface="Roboto" pitchFamily="2" charset="0"/>
-                <a:cs typeface="Open Sans Light" panose="020B0306030504020204" pitchFamily="34" charset="0"/>
-              </a:defRPr>
-            </a:lvl1pPr>
-          </a:lstStyle>
-          <a:p>
-            <a:pPr algn="l"/>
-            <a:r>
-              <a:rPr lang="zh-CN" altLang="en-US" sz="1800" dirty="0">
-                <a:solidFill>
-                  <a:schemeClr val="tx1">
-                    <a:lumMod val="65000"/>
-                    <a:lumOff val="35000"/>
-                  </a:schemeClr>
-                </a:solidFill>
-                <a:latin typeface="微软雅黑" panose="020B0503020204020204" pitchFamily="34" charset="-122"/>
-                <a:ea typeface="微软雅黑" panose="020B0503020204020204" pitchFamily="34" charset="-122"/>
-              </a:rPr>
               <a:t>计划更新</a:t>
             </a:r>
             <a:endParaRPr lang="zh-CN" altLang="en-US" sz="1800" dirty="0">
@@ -15987,7 +15960,7 @@
 </p:sld>
 </file>
 
-<file path=ppt/slides/slide49.xml><?xml version="1.0" encoding="utf-8"?>
+<file path=ppt/slides/slide48.xml><?xml version="1.0" encoding="utf-8"?>
 <p:sld xmlns:a="http://schemas.openxmlformats.org/drawingml/2006/main" xmlns:r="http://schemas.openxmlformats.org/officeDocument/2006/relationships" xmlns:p="http://schemas.openxmlformats.org/presentationml/2006/main">
   <p:cSld>
     <p:spTree>
@@ -16863,6 +16836,163 @@
 </p:sld>
 </file>
 
+<file path=ppt/slides/slide49.xml><?xml version="1.0" encoding="utf-8"?>
+<p:sld xmlns:a="http://schemas.openxmlformats.org/drawingml/2006/main" xmlns:r="http://schemas.openxmlformats.org/officeDocument/2006/relationships" xmlns:p="http://schemas.openxmlformats.org/presentationml/2006/main">
+  <p:cSld>
+    <p:spTree>
+      <p:nvGrpSpPr>
+        <p:cNvPr id="1" name=""/>
+        <p:cNvGrpSpPr/>
+        <p:nvPr/>
+      </p:nvGrpSpPr>
+      <p:grpSpPr>
+        <a:xfrm>
+          <a:off x="0" y="0"/>
+          <a:ext cx="0" cy="0"/>
+          <a:chOff x="0" y="0"/>
+          <a:chExt cx="0" cy="0"/>
+        </a:xfrm>
+      </p:grpSpPr>
+      <p:sp>
+        <p:nvSpPr>
+          <p:cNvPr id="28" name="Title 1"/>
+          <p:cNvSpPr txBox="1"/>
+          <p:nvPr/>
+        </p:nvSpPr>
+        <p:spPr>
+          <a:xfrm>
+            <a:off x="748030" y="171450"/>
+            <a:ext cx="6269990" cy="379730"/>
+          </a:xfrm>
+          <a:prstGeom prst="rect">
+            <a:avLst/>
+          </a:prstGeom>
+        </p:spPr>
+        <p:txBody>
+          <a:bodyPr lIns="0" rIns="0" anchor="ctr">
+            <a:noAutofit/>
+          </a:bodyPr>
+          <a:lstStyle>
+            <a:lvl1pPr algn="ctr" defTabSz="914400" rtl="0" eaLnBrk="1" latinLnBrk="0" hangingPunct="1">
+              <a:spcBef>
+                <a:spcPct val="0"/>
+              </a:spcBef>
+              <a:buNone/>
+              <a:defRPr sz="3000" b="0" kern="1200">
+                <a:solidFill>
+                  <a:schemeClr val="accent1"/>
+                </a:solidFill>
+                <a:latin typeface="U.S. 101" pitchFamily="2" charset="0"/>
+                <a:ea typeface="Roboto" pitchFamily="2" charset="0"/>
+                <a:cs typeface="Open Sans Light" panose="020B0306030504020204" pitchFamily="34" charset="0"/>
+              </a:defRPr>
+            </a:lvl1pPr>
+          </a:lstStyle>
+          <a:p>
+            <a:pPr algn="l"/>
+            <a:r>
+              <a:rPr lang="en-US" altLang="zh-CN" sz="1800" dirty="0">
+                <a:solidFill>
+                  <a:schemeClr val="tx1">
+                    <a:lumMod val="65000"/>
+                    <a:lumOff val="35000"/>
+                  </a:schemeClr>
+                </a:solidFill>
+                <a:latin typeface="微软雅黑" panose="020B0503020204020204" pitchFamily="34" charset="-122"/>
+                <a:ea typeface="微软雅黑" panose="020B0503020204020204" pitchFamily="34" charset="-122"/>
+              </a:rPr>
+              <a:t>SE2020-G02-</a:t>
+            </a:r>
+            <a:r>
+              <a:rPr lang="zh-CN" altLang="en-US" sz="1800" dirty="0">
+                <a:solidFill>
+                  <a:schemeClr val="tx1">
+                    <a:lumMod val="65000"/>
+                    <a:lumOff val="35000"/>
+                  </a:schemeClr>
+                </a:solidFill>
+                <a:latin typeface="微软雅黑" panose="020B0503020204020204" pitchFamily="34" charset="-122"/>
+                <a:ea typeface="微软雅黑" panose="020B0503020204020204" pitchFamily="34" charset="-122"/>
+              </a:rPr>
+              <a:t>组会纪要</a:t>
+            </a:r>
+            <a:r>
+              <a:rPr lang="en-US" altLang="zh-CN" sz="1800" dirty="0">
+                <a:solidFill>
+                  <a:schemeClr val="tx1">
+                    <a:lumMod val="65000"/>
+                    <a:lumOff val="35000"/>
+                  </a:schemeClr>
+                </a:solidFill>
+                <a:latin typeface="微软雅黑" panose="020B0503020204020204" pitchFamily="34" charset="-122"/>
+                <a:ea typeface="微软雅黑" panose="020B0503020204020204" pitchFamily="34" charset="-122"/>
+              </a:rPr>
+              <a:t>1126</a:t>
+            </a:r>
+            <a:endParaRPr lang="en-US" altLang="zh-CN" sz="1800" dirty="0">
+              <a:solidFill>
+                <a:schemeClr val="tx1">
+                  <a:lumMod val="65000"/>
+                  <a:lumOff val="35000"/>
+                </a:schemeClr>
+              </a:solidFill>
+              <a:latin typeface="微软雅黑" panose="020B0503020204020204" pitchFamily="34" charset="-122"/>
+              <a:ea typeface="微软雅黑" panose="020B0503020204020204" pitchFamily="34" charset="-122"/>
+            </a:endParaRPr>
+          </a:p>
+        </p:txBody>
+      </p:sp>
+      <p:pic>
+        <p:nvPicPr>
+          <p:cNvPr id="5" name="图片 4"/>
+          <p:cNvPicPr>
+            <a:picLocks noChangeAspect="1"/>
+          </p:cNvPicPr>
+          <p:nvPr/>
+        </p:nvPicPr>
+        <p:blipFill>
+          <a:blip r:embed="rId1"/>
+          <a:stretch>
+            <a:fillRect/>
+          </a:stretch>
+        </p:blipFill>
+        <p:spPr>
+          <a:xfrm>
+            <a:off x="753745" y="542290"/>
+            <a:ext cx="7627620" cy="4601210"/>
+          </a:xfrm>
+          <a:prstGeom prst="rect">
+            <a:avLst/>
+          </a:prstGeom>
+        </p:spPr>
+      </p:pic>
+    </p:spTree>
+  </p:cSld>
+  <p:clrMapOvr>
+    <a:masterClrMapping/>
+  </p:clrMapOvr>
+  <mc:AlternateContent xmlns:mc="http://schemas.openxmlformats.org/markup-compatibility/2006">
+    <mc:Choice xmlns:p14="http://schemas.microsoft.com/office/powerpoint/2010/main" Requires="p14">
+      <p:transition p14:dur="500">
+        <p:comb/>
+      </p:transition>
+    </mc:Choice>
+    <mc:Fallback>
+      <p:transition>
+        <p:comb/>
+      </p:transition>
+    </mc:Fallback>
+  </mc:AlternateContent>
+  <p:timing>
+    <p:tnLst>
+      <p:par>
+        <p:cTn id="1" dur="indefinite" restart="never" nodeType="tmRoot"/>
+      </p:par>
+    </p:tnLst>
+  </p:timing>
+</p:sld>
+</file>
+
 <file path=ppt/slides/slide5.xml><?xml version="1.0" encoding="utf-8"?>
 <p:sld xmlns:a="http://schemas.openxmlformats.org/drawingml/2006/main" xmlns:r="http://schemas.openxmlformats.org/officeDocument/2006/relationships" xmlns:p="http://schemas.openxmlformats.org/presentationml/2006/main">
   <p:cSld>
@@ -17085,7 +17215,7 @@
                 <a:latin typeface="微软雅黑" panose="020B0503020204020204" pitchFamily="34" charset="-122"/>
                 <a:ea typeface="微软雅黑" panose="020B0503020204020204" pitchFamily="34" charset="-122"/>
               </a:rPr>
-              <a:t>1126</a:t>
+              <a:t>1201</a:t>
             </a:r>
             <a:endParaRPr lang="en-US" altLang="zh-CN" sz="1800" dirty="0">
               <a:solidFill>
@@ -17102,7 +17232,7 @@
       </p:sp>
       <p:pic>
         <p:nvPicPr>
-          <p:cNvPr id="5" name="图片 4"/>
+          <p:cNvPr id="2" name="图片 1"/>
           <p:cNvPicPr>
             <a:picLocks noChangeAspect="1"/>
           </p:cNvPicPr>
@@ -17116,8 +17246,8 @@
         </p:blipFill>
         <p:spPr>
           <a:xfrm>
-            <a:off x="753745" y="542290"/>
-            <a:ext cx="7627620" cy="4601210"/>
+            <a:off x="772160" y="600075"/>
+            <a:ext cx="7525385" cy="4543425"/>
           </a:xfrm>
           <a:prstGeom prst="rect">
             <a:avLst/>
@@ -17242,7 +17372,7 @@
                 <a:latin typeface="微软雅黑" panose="020B0503020204020204" pitchFamily="34" charset="-122"/>
                 <a:ea typeface="微软雅黑" panose="020B0503020204020204" pitchFamily="34" charset="-122"/>
               </a:rPr>
-              <a:t>1201</a:t>
+              <a:t>1203</a:t>
             </a:r>
             <a:endParaRPr lang="en-US" altLang="zh-CN" sz="1800" dirty="0">
               <a:solidFill>
@@ -17259,7 +17389,7 @@
       </p:sp>
       <p:pic>
         <p:nvPicPr>
-          <p:cNvPr id="2" name="图片 1"/>
+          <p:cNvPr id="3" name="图片 2"/>
           <p:cNvPicPr>
             <a:picLocks noChangeAspect="1"/>
           </p:cNvPicPr>
@@ -17273,8 +17403,8 @@
         </p:blipFill>
         <p:spPr>
           <a:xfrm>
-            <a:off x="772160" y="600075"/>
-            <a:ext cx="7525385" cy="4543425"/>
+            <a:off x="723265" y="624205"/>
+            <a:ext cx="7760970" cy="4519295"/>
           </a:xfrm>
           <a:prstGeom prst="rect">
             <a:avLst/>
@@ -17399,7 +17529,7 @@
                 <a:latin typeface="微软雅黑" panose="020B0503020204020204" pitchFamily="34" charset="-122"/>
                 <a:ea typeface="微软雅黑" panose="020B0503020204020204" pitchFamily="34" charset="-122"/>
               </a:rPr>
-              <a:t>1203</a:t>
+              <a:t>1206</a:t>
             </a:r>
             <a:endParaRPr lang="en-US" altLang="zh-CN" sz="1800" dirty="0">
               <a:solidFill>
@@ -17430,8 +17560,8 @@
         </p:blipFill>
         <p:spPr>
           <a:xfrm>
-            <a:off x="723265" y="624205"/>
-            <a:ext cx="7760970" cy="4519295"/>
+            <a:off x="732790" y="551815"/>
+            <a:ext cx="7595235" cy="4591685"/>
           </a:xfrm>
           <a:prstGeom prst="rect">
             <a:avLst/>
@@ -17556,7 +17686,7 @@
                 <a:latin typeface="微软雅黑" panose="020B0503020204020204" pitchFamily="34" charset="-122"/>
                 <a:ea typeface="微软雅黑" panose="020B0503020204020204" pitchFamily="34" charset="-122"/>
               </a:rPr>
-              <a:t>1206</a:t>
+              <a:t>1208</a:t>
             </a:r>
             <a:endParaRPr lang="en-US" altLang="zh-CN" sz="1800" dirty="0">
               <a:solidFill>
@@ -17587,8 +17717,8 @@
         </p:blipFill>
         <p:spPr>
           <a:xfrm>
-            <a:off x="732790" y="551815"/>
-            <a:ext cx="7595235" cy="4591685"/>
+            <a:off x="4115435" y="-6985"/>
+            <a:ext cx="4450080" cy="5157470"/>
           </a:xfrm>
           <a:prstGeom prst="rect">
             <a:avLst/>
@@ -17677,163 +17807,6 @@
           <a:p>
             <a:pPr algn="l"/>
             <a:r>
-              <a:rPr lang="en-US" altLang="zh-CN" sz="1800" dirty="0">
-                <a:solidFill>
-                  <a:schemeClr val="tx1">
-                    <a:lumMod val="65000"/>
-                    <a:lumOff val="35000"/>
-                  </a:schemeClr>
-                </a:solidFill>
-                <a:latin typeface="微软雅黑" panose="020B0503020204020204" pitchFamily="34" charset="-122"/>
-                <a:ea typeface="微软雅黑" panose="020B0503020204020204" pitchFamily="34" charset="-122"/>
-              </a:rPr>
-              <a:t>SE2020-G02-</a:t>
-            </a:r>
-            <a:r>
-              <a:rPr lang="zh-CN" altLang="en-US" sz="1800" dirty="0">
-                <a:solidFill>
-                  <a:schemeClr val="tx1">
-                    <a:lumMod val="65000"/>
-                    <a:lumOff val="35000"/>
-                  </a:schemeClr>
-                </a:solidFill>
-                <a:latin typeface="微软雅黑" panose="020B0503020204020204" pitchFamily="34" charset="-122"/>
-                <a:ea typeface="微软雅黑" panose="020B0503020204020204" pitchFamily="34" charset="-122"/>
-              </a:rPr>
-              <a:t>组会纪要</a:t>
-            </a:r>
-            <a:r>
-              <a:rPr lang="en-US" altLang="zh-CN" sz="1800" dirty="0">
-                <a:solidFill>
-                  <a:schemeClr val="tx1">
-                    <a:lumMod val="65000"/>
-                    <a:lumOff val="35000"/>
-                  </a:schemeClr>
-                </a:solidFill>
-                <a:latin typeface="微软雅黑" panose="020B0503020204020204" pitchFamily="34" charset="-122"/>
-                <a:ea typeface="微软雅黑" panose="020B0503020204020204" pitchFamily="34" charset="-122"/>
-              </a:rPr>
-              <a:t>1208</a:t>
-            </a:r>
-            <a:endParaRPr lang="en-US" altLang="zh-CN" sz="1800" dirty="0">
-              <a:solidFill>
-                <a:schemeClr val="tx1">
-                  <a:lumMod val="65000"/>
-                  <a:lumOff val="35000"/>
-                </a:schemeClr>
-              </a:solidFill>
-              <a:latin typeface="微软雅黑" panose="020B0503020204020204" pitchFamily="34" charset="-122"/>
-              <a:ea typeface="微软雅黑" panose="020B0503020204020204" pitchFamily="34" charset="-122"/>
-            </a:endParaRPr>
-          </a:p>
-        </p:txBody>
-      </p:sp>
-      <p:pic>
-        <p:nvPicPr>
-          <p:cNvPr id="3" name="图片 2"/>
-          <p:cNvPicPr>
-            <a:picLocks noChangeAspect="1"/>
-          </p:cNvPicPr>
-          <p:nvPr/>
-        </p:nvPicPr>
-        <p:blipFill>
-          <a:blip r:embed="rId1"/>
-          <a:stretch>
-            <a:fillRect/>
-          </a:stretch>
-        </p:blipFill>
-        <p:spPr>
-          <a:xfrm>
-            <a:off x="4115435" y="-6985"/>
-            <a:ext cx="4450080" cy="5157470"/>
-          </a:xfrm>
-          <a:prstGeom prst="rect">
-            <a:avLst/>
-          </a:prstGeom>
-        </p:spPr>
-      </p:pic>
-    </p:spTree>
-  </p:cSld>
-  <p:clrMapOvr>
-    <a:masterClrMapping/>
-  </p:clrMapOvr>
-  <mc:AlternateContent xmlns:mc="http://schemas.openxmlformats.org/markup-compatibility/2006">
-    <mc:Choice xmlns:p14="http://schemas.microsoft.com/office/powerpoint/2010/main" Requires="p14">
-      <p:transition p14:dur="500">
-        <p:comb/>
-      </p:transition>
-    </mc:Choice>
-    <mc:Fallback>
-      <p:transition>
-        <p:comb/>
-      </p:transition>
-    </mc:Fallback>
-  </mc:AlternateContent>
-  <p:timing>
-    <p:tnLst>
-      <p:par>
-        <p:cTn id="1" dur="indefinite" restart="never" nodeType="tmRoot"/>
-      </p:par>
-    </p:tnLst>
-  </p:timing>
-</p:sld>
-</file>
-
-<file path=ppt/slides/slide55.xml><?xml version="1.0" encoding="utf-8"?>
-<p:sld xmlns:a="http://schemas.openxmlformats.org/drawingml/2006/main" xmlns:r="http://schemas.openxmlformats.org/officeDocument/2006/relationships" xmlns:p="http://schemas.openxmlformats.org/presentationml/2006/main">
-  <p:cSld>
-    <p:spTree>
-      <p:nvGrpSpPr>
-        <p:cNvPr id="1" name=""/>
-        <p:cNvGrpSpPr/>
-        <p:nvPr/>
-      </p:nvGrpSpPr>
-      <p:grpSpPr>
-        <a:xfrm>
-          <a:off x="0" y="0"/>
-          <a:ext cx="0" cy="0"/>
-          <a:chOff x="0" y="0"/>
-          <a:chExt cx="0" cy="0"/>
-        </a:xfrm>
-      </p:grpSpPr>
-      <p:sp>
-        <p:nvSpPr>
-          <p:cNvPr id="28" name="Title 1"/>
-          <p:cNvSpPr txBox="1"/>
-          <p:nvPr/>
-        </p:nvSpPr>
-        <p:spPr>
-          <a:xfrm>
-            <a:off x="748030" y="171450"/>
-            <a:ext cx="6269990" cy="379730"/>
-          </a:xfrm>
-          <a:prstGeom prst="rect">
-            <a:avLst/>
-          </a:prstGeom>
-        </p:spPr>
-        <p:txBody>
-          <a:bodyPr lIns="0" rIns="0" anchor="ctr">
-            <a:noAutofit/>
-          </a:bodyPr>
-          <a:lstStyle>
-            <a:lvl1pPr algn="ctr" defTabSz="914400" rtl="0" eaLnBrk="1" latinLnBrk="0" hangingPunct="1">
-              <a:spcBef>
-                <a:spcPct val="0"/>
-              </a:spcBef>
-              <a:buNone/>
-              <a:defRPr sz="3000" b="0" kern="1200">
-                <a:solidFill>
-                  <a:schemeClr val="accent1"/>
-                </a:solidFill>
-                <a:latin typeface="U.S. 101" pitchFamily="2" charset="0"/>
-                <a:ea typeface="Roboto" pitchFamily="2" charset="0"/>
-                <a:cs typeface="Open Sans Light" panose="020B0306030504020204" pitchFamily="34" charset="0"/>
-              </a:defRPr>
-            </a:lvl1pPr>
-          </a:lstStyle>
-          <a:p>
-            <a:pPr algn="l"/>
-            <a:r>
               <a:rPr lang="zh-CN" altLang="en-US" sz="1800" dirty="0">
                 <a:solidFill>
                   <a:schemeClr val="tx1">
@@ -17910,7 +17883,7 @@
 </p:sld>
 </file>
 
-<file path=ppt/slides/slide56.xml><?xml version="1.0" encoding="utf-8"?>
+<file path=ppt/slides/slide55.xml><?xml version="1.0" encoding="utf-8"?>
 <p:sld xmlns:a="http://schemas.openxmlformats.org/drawingml/2006/main" xmlns:r="http://schemas.openxmlformats.org/officeDocument/2006/relationships" xmlns:p="http://schemas.openxmlformats.org/presentationml/2006/main">
   <p:cSld>
     <p:spTree>
@@ -18781,7 +18754,7 @@
 </p:sld>
 </file>
 
-<file path=ppt/slides/slide57.xml><?xml version="1.0" encoding="utf-8"?>
+<file path=ppt/slides/slide56.xml><?xml version="1.0" encoding="utf-8"?>
 <p:sld xmlns:a="http://schemas.openxmlformats.org/drawingml/2006/main" xmlns:r="http://schemas.openxmlformats.org/officeDocument/2006/relationships" xmlns:p="http://schemas.openxmlformats.org/presentationml/2006/main">
   <p:cSld>
     <p:spTree>
@@ -19104,7 +19077,7 @@
 </p:sld>
 </file>
 
-<file path=ppt/slides/slide58.xml><?xml version="1.0" encoding="utf-8"?>
+<file path=ppt/slides/slide57.xml><?xml version="1.0" encoding="utf-8"?>
 <p:sld xmlns:a="http://schemas.openxmlformats.org/drawingml/2006/main" xmlns:r="http://schemas.openxmlformats.org/officeDocument/2006/relationships" xmlns:p="http://schemas.openxmlformats.org/presentationml/2006/main">
   <p:cSld>
     <p:spTree>
